--- a/document/展示/FishTouchers小组第二次汇报.pptx
+++ b/document/展示/FishTouchers小组第二次汇报.pptx
@@ -286,7 +286,7 @@
           <a:p>
             <a:fld id="{E9630DBF-D010-4114-9DE3-41E342A27C18}" type="datetimeFigureOut">
               <a:rPr lang="zh-CN" altLang="en-US" smtClean="0"/>
-              <a:t>2019/9/2</a:t>
+              <a:t>2019/9/9</a:t>
             </a:fld>
             <a:endParaRPr lang="zh-CN" altLang="en-US"/>
           </a:p>
@@ -460,7 +460,7 @@
               <a:pPr>
                 <a:defRPr/>
               </a:pPr>
-              <a:t>2019/9/2</a:t>
+              <a:t>2019/9/9</a:t>
             </a:fld>
             <a:endParaRPr lang="zh-CN" altLang="en-US"/>
           </a:p>
@@ -2699,7 +2699,7 @@
           <a:p>
             <a:fld id="{32BF82D2-7A68-459D-A996-9BDDA2518FA4}" type="datetimeFigureOut">
               <a:rPr lang="zh-CN" altLang="en-US" smtClean="0"/>
-              <a:t>2019/9/2</a:t>
+              <a:t>2019/9/9</a:t>
             </a:fld>
             <a:endParaRPr lang="zh-CN" altLang="en-US"/>
           </a:p>
@@ -2942,7 +2942,7 @@
           <a:p>
             <a:fld id="{32BF82D2-7A68-459D-A996-9BDDA2518FA4}" type="datetimeFigureOut">
               <a:rPr lang="zh-CN" altLang="en-US" smtClean="0"/>
-              <a:t>2019/9/2</a:t>
+              <a:t>2019/9/9</a:t>
             </a:fld>
             <a:endParaRPr lang="zh-CN" altLang="en-US"/>
           </a:p>
@@ -3578,22 +3578,13 @@
               <a:buNone/>
             </a:pPr>
             <a:r>
-              <a:rPr lang="zh-CN" altLang="en-US" sz="2400" dirty="0" smtClean="0">
+              <a:rPr lang="zh-CN" altLang="en-US" sz="2400" dirty="0">
                 <a:solidFill>
                   <a:schemeClr val="bg1"/>
                 </a:solidFill>
                 <a:cs typeface="Arial" panose="020B0604020202020204" pitchFamily="34" charset="0"/>
               </a:rPr>
-              <a:t>第二次</a:t>
-            </a:r>
-            <a:r>
-              <a:rPr lang="zh-CN" altLang="en-US" sz="2400" dirty="0">
-                <a:solidFill>
-                  <a:schemeClr val="bg1"/>
-                </a:solidFill>
-                <a:cs typeface="Arial" panose="020B0604020202020204" pitchFamily="34" charset="0"/>
-              </a:rPr>
-              <a:t>汇报</a:t>
+              <a:t>第二次汇报</a:t>
             </a:r>
           </a:p>
         </p:txBody>
@@ -3987,7 +3978,7 @@
                 </a:solidFill>
                 <a:cs typeface="Arial" panose="020B0604020202020204" pitchFamily="34" charset="0"/>
               </a:rPr>
-              <a:t>高效科研实验室网站的设计与实现</a:t>
+              <a:t>高校科研实验室网站的设计与实现</a:t>
             </a:r>
           </a:p>
         </p:txBody>
@@ -4815,13 +4806,6 @@
       </p:transition>
     </mc:Fallback>
   </mc:AlternateContent>
-  <p:timing>
-    <p:tnLst>
-      <p:par>
-        <p:cTn id="1" dur="indefinite" restart="never" nodeType="tmRoot"/>
-      </p:par>
-    </p:tnLst>
-  </p:timing>
 </p:sld>
 </file>
 
@@ -4866,7 +4850,7 @@
           <a:p>
             <a:pPr algn="ctr"/>
             <a:r>
-              <a:rPr lang="zh-CN" altLang="en-US" sz="2800" dirty="0" smtClean="0">
+              <a:rPr lang="zh-CN" altLang="en-US" sz="2800" dirty="0">
                 <a:solidFill>
                   <a:schemeClr val="bg1">
                     <a:lumMod val="50000"/>
@@ -5030,18 +5014,13 @@
               </a:lnSpc>
             </a:pPr>
             <a:r>
-              <a:rPr lang="zh-CN" altLang="en-US" sz="1800" dirty="0" smtClean="0">
+              <a:rPr lang="zh-CN" altLang="en-US" sz="1800" dirty="0">
                 <a:latin typeface="Arial" panose="020B0604020202020204" pitchFamily="34" charset="0"/>
                 <a:ea typeface="微软雅黑" panose="020B0503020204020204" pitchFamily="34" charset="-122"/>
                 <a:sym typeface="Arial" panose="020B0604020202020204" pitchFamily="34" charset="0"/>
               </a:rPr>
               <a:t>在参考了赵老师发的资金简单说明后，我们小组修改了我们项目资金预算；</a:t>
             </a:r>
-            <a:endParaRPr lang="zh-CN" altLang="en-US" sz="1800" dirty="0">
-              <a:latin typeface="Arial" panose="020B0604020202020204" pitchFamily="34" charset="0"/>
-              <a:ea typeface="微软雅黑" panose="020B0503020204020204" pitchFamily="34" charset="-122"/>
-              <a:sym typeface="Arial" panose="020B0604020202020204" pitchFamily="34" charset="0"/>
-            </a:endParaRPr>
           </a:p>
         </p:txBody>
       </p:sp>
@@ -5262,7 +5241,7 @@
           <a:p>
             <a:pPr algn="ctr"/>
             <a:r>
-              <a:rPr lang="zh-CN" altLang="en-US" sz="2800" dirty="0" smtClean="0">
+              <a:rPr lang="zh-CN" altLang="en-US" sz="2800" dirty="0">
                 <a:solidFill>
                   <a:schemeClr val="bg1">
                     <a:lumMod val="50000"/>
@@ -5714,13 +5693,6 @@
       </p:transition>
     </mc:Fallback>
   </mc:AlternateContent>
-  <p:timing>
-    <p:tnLst>
-      <p:par>
-        <p:cTn id="1" dur="indefinite" restart="never" nodeType="tmRoot"/>
-      </p:par>
-    </p:tnLst>
-  </p:timing>
 </p:sld>
 </file>
 
@@ -6141,11 +6113,6 @@
               </a:rPr>
               <a:t>对于未在预算中设立的款项，如需增加款项，需要每个部门的负责人提交特别申请，由财务负责人刘硕先进行确认并报批给组长，由组长张歆最终确认并增设新的预算款项。</a:t>
             </a:r>
-            <a:endParaRPr lang="zh-CN" altLang="en-US" sz="1800" dirty="0">
-              <a:latin typeface="Arial" panose="020B0604020202020204" pitchFamily="34" charset="0"/>
-              <a:ea typeface="微软雅黑" panose="020B0503020204020204" pitchFamily="34" charset="-122"/>
-              <a:sym typeface="Arial" panose="020B0604020202020204" pitchFamily="34" charset="0"/>
-            </a:endParaRPr>
           </a:p>
         </p:txBody>
       </p:sp>
@@ -6173,7 +6140,7 @@
           <a:p>
             <a:pPr algn="ctr"/>
             <a:r>
-              <a:rPr lang="zh-CN" altLang="en-US" sz="2800" dirty="0" smtClean="0">
+              <a:rPr lang="zh-CN" altLang="en-US" sz="2800" dirty="0">
                 <a:solidFill>
                   <a:schemeClr val="bg1">
                     <a:lumMod val="50000"/>
@@ -6220,13 +6187,6 @@
       </p:transition>
     </mc:Fallback>
   </mc:AlternateContent>
-  <p:timing>
-    <p:tnLst>
-      <p:par>
-        <p:cTn id="1" dur="indefinite" restart="never" nodeType="tmRoot"/>
-      </p:par>
-    </p:tnLst>
-  </p:timing>
 </p:sld>
 </file>
 
@@ -6271,7 +6231,7 @@
           <a:p>
             <a:pPr algn="ctr"/>
             <a:r>
-              <a:rPr lang="zh-CN" altLang="en-US" sz="2800" dirty="0" smtClean="0">
+              <a:rPr lang="zh-CN" altLang="en-US" sz="2800" dirty="0">
                 <a:solidFill>
                   <a:schemeClr val="bg1">
                     <a:lumMod val="50000"/>
@@ -6435,18 +6395,13 @@
               </a:lnSpc>
             </a:pPr>
             <a:r>
-              <a:rPr lang="zh-CN" altLang="en-US" sz="2400" dirty="0" smtClean="0">
+              <a:rPr lang="zh-CN" altLang="en-US" sz="2400" dirty="0">
                 <a:latin typeface="Arial" panose="020B0604020202020204" pitchFamily="34" charset="0"/>
                 <a:ea typeface="微软雅黑" panose="020B0503020204020204" pitchFamily="34" charset="-122"/>
                 <a:sym typeface="Arial" panose="020B0604020202020204" pitchFamily="34" charset="0"/>
               </a:rPr>
               <a:t>可能遇到的风险</a:t>
             </a:r>
-            <a:endParaRPr lang="zh-CN" altLang="en-US" sz="2400" dirty="0">
-              <a:latin typeface="Arial" panose="020B0604020202020204" pitchFamily="34" charset="0"/>
-              <a:ea typeface="微软雅黑" panose="020B0503020204020204" pitchFamily="34" charset="-122"/>
-              <a:sym typeface="Arial" panose="020B0604020202020204" pitchFamily="34" charset="0"/>
-            </a:endParaRPr>
           </a:p>
         </p:txBody>
       </p:sp>
@@ -6591,14 +6546,14 @@
               <a:buChar char="•"/>
             </a:pPr>
             <a:r>
-              <a:rPr lang="zh-CN" altLang="en-US" sz="1800" dirty="0" smtClean="0">
+              <a:rPr lang="zh-CN" altLang="en-US" sz="1800" dirty="0">
                 <a:latin typeface="Arial" panose="020B0604020202020204" pitchFamily="34" charset="0"/>
                 <a:ea typeface="微软雅黑" panose="020B0503020204020204" pitchFamily="34" charset="-122"/>
                 <a:sym typeface="Arial" panose="020B0604020202020204" pitchFamily="34" charset="0"/>
               </a:rPr>
               <a:t>需求风险</a:t>
             </a:r>
-            <a:endParaRPr lang="en-US" altLang="zh-CN" sz="1800" dirty="0" smtClean="0">
+            <a:endParaRPr lang="en-US" altLang="zh-CN" sz="1800" dirty="0">
               <a:latin typeface="Arial" panose="020B0604020202020204" pitchFamily="34" charset="0"/>
               <a:ea typeface="微软雅黑" panose="020B0503020204020204" pitchFamily="34" charset="-122"/>
               <a:sym typeface="Arial" panose="020B0604020202020204" pitchFamily="34" charset="0"/>
@@ -6611,14 +6566,14 @@
               </a:lnSpc>
             </a:pPr>
             <a:r>
-              <a:rPr lang="zh-CN" altLang="en-US" sz="1800" dirty="0" smtClean="0">
+              <a:rPr lang="zh-CN" altLang="en-US" sz="1800" dirty="0">
                 <a:latin typeface="Arial" panose="020B0604020202020204" pitchFamily="34" charset="0"/>
                 <a:ea typeface="微软雅黑" panose="020B0503020204020204" pitchFamily="34" charset="-122"/>
                 <a:sym typeface="Arial" panose="020B0604020202020204" pitchFamily="34" charset="0"/>
               </a:rPr>
               <a:t>需求理解不明确</a:t>
             </a:r>
-            <a:endParaRPr lang="en-US" altLang="zh-CN" sz="1800" dirty="0" smtClean="0">
+            <a:endParaRPr lang="en-US" altLang="zh-CN" sz="1800" dirty="0">
               <a:latin typeface="Arial" panose="020B0604020202020204" pitchFamily="34" charset="0"/>
               <a:ea typeface="微软雅黑" panose="020B0503020204020204" pitchFamily="34" charset="-122"/>
               <a:sym typeface="Arial" panose="020B0604020202020204" pitchFamily="34" charset="0"/>
@@ -6631,14 +6586,14 @@
               </a:lnSpc>
             </a:pPr>
             <a:r>
-              <a:rPr lang="zh-CN" altLang="en-US" sz="1800" dirty="0" smtClean="0">
+              <a:rPr lang="zh-CN" altLang="en-US" sz="1800" dirty="0">
                 <a:latin typeface="Arial" panose="020B0604020202020204" pitchFamily="34" charset="0"/>
                 <a:ea typeface="微软雅黑" panose="020B0503020204020204" pitchFamily="34" charset="-122"/>
                 <a:sym typeface="Arial" panose="020B0604020202020204" pitchFamily="34" charset="0"/>
               </a:rPr>
               <a:t>需求变更</a:t>
             </a:r>
-            <a:endParaRPr lang="en-US" altLang="zh-CN" sz="1800" dirty="0" smtClean="0">
+            <a:endParaRPr lang="en-US" altLang="zh-CN" sz="1800" dirty="0">
               <a:latin typeface="Arial" panose="020B0604020202020204" pitchFamily="34" charset="0"/>
               <a:ea typeface="微软雅黑" panose="020B0503020204020204" pitchFamily="34" charset="-122"/>
               <a:sym typeface="Arial" panose="020B0604020202020204" pitchFamily="34" charset="0"/>
@@ -6653,14 +6608,14 @@
               <a:buChar char="•"/>
             </a:pPr>
             <a:r>
-              <a:rPr lang="zh-CN" altLang="en-US" sz="1800" dirty="0" smtClean="0">
+              <a:rPr lang="zh-CN" altLang="en-US" sz="1800" dirty="0">
                 <a:latin typeface="Arial" panose="020B0604020202020204" pitchFamily="34" charset="0"/>
                 <a:ea typeface="微软雅黑" panose="020B0503020204020204" pitchFamily="34" charset="-122"/>
                 <a:sym typeface="Arial" panose="020B0604020202020204" pitchFamily="34" charset="0"/>
               </a:rPr>
               <a:t>开发风险</a:t>
             </a:r>
-            <a:endParaRPr lang="en-US" altLang="zh-CN" sz="1800" dirty="0" smtClean="0">
+            <a:endParaRPr lang="en-US" altLang="zh-CN" sz="1800" dirty="0">
               <a:latin typeface="Arial" panose="020B0604020202020204" pitchFamily="34" charset="0"/>
               <a:ea typeface="微软雅黑" panose="020B0503020204020204" pitchFamily="34" charset="-122"/>
               <a:sym typeface="Arial" panose="020B0604020202020204" pitchFamily="34" charset="0"/>
@@ -6673,14 +6628,14 @@
               </a:lnSpc>
             </a:pPr>
             <a:r>
-              <a:rPr lang="zh-CN" altLang="en-US" sz="1800" dirty="0" smtClean="0">
+              <a:rPr lang="zh-CN" altLang="en-US" sz="1800" dirty="0">
                 <a:latin typeface="Arial" panose="020B0604020202020204" pitchFamily="34" charset="0"/>
                 <a:ea typeface="微软雅黑" panose="020B0503020204020204" pitchFamily="34" charset="-122"/>
                 <a:sym typeface="Arial" panose="020B0604020202020204" pitchFamily="34" charset="0"/>
               </a:rPr>
               <a:t>开发进度延误</a:t>
             </a:r>
-            <a:endParaRPr lang="en-US" altLang="zh-CN" sz="1800" dirty="0" smtClean="0">
+            <a:endParaRPr lang="en-US" altLang="zh-CN" sz="1800" dirty="0">
               <a:latin typeface="Arial" panose="020B0604020202020204" pitchFamily="34" charset="0"/>
               <a:ea typeface="微软雅黑" panose="020B0503020204020204" pitchFamily="34" charset="-122"/>
               <a:sym typeface="Arial" panose="020B0604020202020204" pitchFamily="34" charset="0"/>
@@ -6693,14 +6648,14 @@
               </a:lnSpc>
             </a:pPr>
             <a:r>
-              <a:rPr lang="zh-CN" altLang="en-US" sz="1800" dirty="0" smtClean="0">
+              <a:rPr lang="zh-CN" altLang="en-US" sz="1800" dirty="0">
                 <a:latin typeface="Arial" panose="020B0604020202020204" pitchFamily="34" charset="0"/>
                 <a:ea typeface="微软雅黑" panose="020B0503020204020204" pitchFamily="34" charset="-122"/>
                 <a:sym typeface="Arial" panose="020B0604020202020204" pitchFamily="34" charset="0"/>
               </a:rPr>
               <a:t>人员变更</a:t>
             </a:r>
-            <a:endParaRPr lang="en-US" altLang="zh-CN" sz="1800" dirty="0" smtClean="0">
+            <a:endParaRPr lang="en-US" altLang="zh-CN" sz="1800" dirty="0">
               <a:latin typeface="Arial" panose="020B0604020202020204" pitchFamily="34" charset="0"/>
               <a:ea typeface="微软雅黑" panose="020B0503020204020204" pitchFamily="34" charset="-122"/>
               <a:sym typeface="Arial" panose="020B0604020202020204" pitchFamily="34" charset="0"/>
@@ -6713,14 +6668,14 @@
               </a:lnSpc>
             </a:pPr>
             <a:r>
-              <a:rPr lang="zh-CN" altLang="en-US" sz="1800" dirty="0" smtClean="0">
+              <a:rPr lang="zh-CN" altLang="en-US" sz="1800" dirty="0">
                 <a:latin typeface="Arial" panose="020B0604020202020204" pitchFamily="34" charset="0"/>
                 <a:ea typeface="微软雅黑" panose="020B0503020204020204" pitchFamily="34" charset="-122"/>
                 <a:sym typeface="Arial" panose="020B0604020202020204" pitchFamily="34" charset="0"/>
               </a:rPr>
               <a:t>质量风险</a:t>
             </a:r>
-            <a:endParaRPr lang="en-US" altLang="zh-CN" sz="1800" dirty="0" smtClean="0">
+            <a:endParaRPr lang="en-US" altLang="zh-CN" sz="1800" dirty="0">
               <a:latin typeface="Arial" panose="020B0604020202020204" pitchFamily="34" charset="0"/>
               <a:ea typeface="微软雅黑" panose="020B0503020204020204" pitchFamily="34" charset="-122"/>
               <a:sym typeface="Arial" panose="020B0604020202020204" pitchFamily="34" charset="0"/>
@@ -6750,13 +6705,6 @@
       </p:transition>
     </mc:Fallback>
   </mc:AlternateContent>
-  <p:timing>
-    <p:tnLst>
-      <p:par>
-        <p:cTn id="1" dur="indefinite" restart="never" nodeType="tmRoot"/>
-      </p:par>
-    </p:tnLst>
-  </p:timing>
 </p:sld>
 </file>
 
@@ -6801,7 +6749,7 @@
           <a:p>
             <a:pPr algn="ctr"/>
             <a:r>
-              <a:rPr lang="zh-CN" altLang="en-US" sz="2800" dirty="0" smtClean="0">
+              <a:rPr lang="zh-CN" altLang="en-US" sz="2800" dirty="0">
                 <a:solidFill>
                   <a:schemeClr val="bg1">
                     <a:lumMod val="50000"/>
@@ -6965,18 +6913,13 @@
               </a:lnSpc>
             </a:pPr>
             <a:r>
-              <a:rPr lang="zh-CN" altLang="en-US" sz="2400" dirty="0" smtClean="0">
+              <a:rPr lang="zh-CN" altLang="en-US" sz="2400" dirty="0">
                 <a:latin typeface="Arial" panose="020B0604020202020204" pitchFamily="34" charset="0"/>
                 <a:ea typeface="微软雅黑" panose="020B0503020204020204" pitchFamily="34" charset="-122"/>
                 <a:sym typeface="Arial" panose="020B0604020202020204" pitchFamily="34" charset="0"/>
               </a:rPr>
               <a:t>可能遇到的风险</a:t>
             </a:r>
-            <a:endParaRPr lang="zh-CN" altLang="en-US" sz="2400" dirty="0">
-              <a:latin typeface="Arial" panose="020B0604020202020204" pitchFamily="34" charset="0"/>
-              <a:ea typeface="微软雅黑" panose="020B0503020204020204" pitchFamily="34" charset="-122"/>
-              <a:sym typeface="Arial" panose="020B0604020202020204" pitchFamily="34" charset="0"/>
-            </a:endParaRPr>
           </a:p>
         </p:txBody>
       </p:sp>
@@ -7121,14 +7064,14 @@
               <a:buChar char="•"/>
             </a:pPr>
             <a:r>
-              <a:rPr lang="zh-CN" altLang="en-US" sz="1800" dirty="0" smtClean="0">
+              <a:rPr lang="zh-CN" altLang="en-US" sz="1800" dirty="0">
                 <a:latin typeface="Arial" panose="020B0604020202020204" pitchFamily="34" charset="0"/>
                 <a:ea typeface="微软雅黑" panose="020B0503020204020204" pitchFamily="34" charset="-122"/>
                 <a:sym typeface="Arial" panose="020B0604020202020204" pitchFamily="34" charset="0"/>
               </a:rPr>
               <a:t>测试风险</a:t>
             </a:r>
-            <a:endParaRPr lang="en-US" altLang="zh-CN" sz="1800" dirty="0" smtClean="0">
+            <a:endParaRPr lang="en-US" altLang="zh-CN" sz="1800" dirty="0">
               <a:latin typeface="Arial" panose="020B0604020202020204" pitchFamily="34" charset="0"/>
               <a:ea typeface="微软雅黑" panose="020B0503020204020204" pitchFamily="34" charset="-122"/>
               <a:sym typeface="Arial" panose="020B0604020202020204" pitchFamily="34" charset="0"/>
@@ -7141,14 +7084,14 @@
               </a:lnSpc>
             </a:pPr>
             <a:r>
-              <a:rPr lang="zh-CN" altLang="en-US" sz="1800" dirty="0" smtClean="0">
+              <a:rPr lang="zh-CN" altLang="en-US" sz="1800" dirty="0">
                 <a:latin typeface="Arial" panose="020B0604020202020204" pitchFamily="34" charset="0"/>
                 <a:ea typeface="微软雅黑" panose="020B0503020204020204" pitchFamily="34" charset="-122"/>
                 <a:sym typeface="Arial" panose="020B0604020202020204" pitchFamily="34" charset="0"/>
               </a:rPr>
               <a:t>测试用例设计缺陷</a:t>
             </a:r>
-            <a:endParaRPr lang="en-US" altLang="zh-CN" sz="1800" dirty="0" smtClean="0">
+            <a:endParaRPr lang="en-US" altLang="zh-CN" sz="1800" dirty="0">
               <a:latin typeface="Arial" panose="020B0604020202020204" pitchFamily="34" charset="0"/>
               <a:ea typeface="微软雅黑" panose="020B0503020204020204" pitchFamily="34" charset="-122"/>
               <a:sym typeface="Arial" panose="020B0604020202020204" pitchFamily="34" charset="0"/>
@@ -7161,14 +7104,14 @@
               </a:lnSpc>
             </a:pPr>
             <a:r>
-              <a:rPr lang="zh-CN" altLang="en-US" sz="1800" dirty="0" smtClean="0">
+              <a:rPr lang="zh-CN" altLang="en-US" sz="1800" dirty="0">
                 <a:latin typeface="Arial" panose="020B0604020202020204" pitchFamily="34" charset="0"/>
                 <a:ea typeface="微软雅黑" panose="020B0503020204020204" pitchFamily="34" charset="-122"/>
                 <a:sym typeface="Arial" panose="020B0604020202020204" pitchFamily="34" charset="0"/>
               </a:rPr>
               <a:t>缺陷隐蔽</a:t>
             </a:r>
-            <a:endParaRPr lang="en-US" altLang="zh-CN" sz="1800" dirty="0" smtClean="0">
+            <a:endParaRPr lang="en-US" altLang="zh-CN" sz="1800" dirty="0">
               <a:latin typeface="Arial" panose="020B0604020202020204" pitchFamily="34" charset="0"/>
               <a:ea typeface="微软雅黑" panose="020B0503020204020204" pitchFamily="34" charset="-122"/>
               <a:sym typeface="Arial" panose="020B0604020202020204" pitchFamily="34" charset="0"/>
@@ -7183,14 +7126,14 @@
               <a:buChar char="•"/>
             </a:pPr>
             <a:r>
-              <a:rPr lang="zh-CN" altLang="en-US" sz="1800" dirty="0" smtClean="0">
+              <a:rPr lang="zh-CN" altLang="en-US" sz="1800" dirty="0">
                 <a:latin typeface="Arial" panose="020B0604020202020204" pitchFamily="34" charset="0"/>
                 <a:ea typeface="微软雅黑" panose="020B0503020204020204" pitchFamily="34" charset="-122"/>
                 <a:sym typeface="Arial" panose="020B0604020202020204" pitchFamily="34" charset="0"/>
               </a:rPr>
               <a:t>财务风险</a:t>
             </a:r>
-            <a:endParaRPr lang="en-US" altLang="zh-CN" sz="1800" dirty="0" smtClean="0">
+            <a:endParaRPr lang="en-US" altLang="zh-CN" sz="1800" dirty="0">
               <a:latin typeface="Arial" panose="020B0604020202020204" pitchFamily="34" charset="0"/>
               <a:ea typeface="微软雅黑" panose="020B0503020204020204" pitchFamily="34" charset="-122"/>
               <a:sym typeface="Arial" panose="020B0604020202020204" pitchFamily="34" charset="0"/>
@@ -7232,13 +7175,6 @@
       </p:transition>
     </mc:Fallback>
   </mc:AlternateContent>
-  <p:timing>
-    <p:tnLst>
-      <p:par>
-        <p:cTn id="1" dur="indefinite" restart="never" nodeType="tmRoot"/>
-      </p:par>
-    </p:tnLst>
-  </p:timing>
 </p:sld>
 </file>
 
@@ -7638,7 +7574,7 @@
           <a:p>
             <a:pPr algn="ctr"/>
             <a:r>
-              <a:rPr lang="zh-CN" altLang="en-US" sz="3200" dirty="0" smtClean="0">
+              <a:rPr lang="zh-CN" altLang="en-US" sz="3200" dirty="0">
                 <a:solidFill>
                   <a:schemeClr val="bg1"/>
                 </a:solidFill>
@@ -7681,13 +7617,6 @@
       </p:transition>
     </mc:Fallback>
   </mc:AlternateContent>
-  <p:timing>
-    <p:tnLst>
-      <p:par>
-        <p:cTn id="1" dur="indefinite" restart="never" nodeType="tmRoot"/>
-      </p:par>
-    </p:tnLst>
-  </p:timing>
 </p:sld>
 </file>
 
@@ -9889,7 +9818,6 @@
             <a:ln>
               <a:noFill/>
             </a:ln>
-            <a:extLst/>
           </p:spPr>
           <p:txBody>
             <a:bodyPr vert="horz" wrap="square" lIns="96430" tIns="48216" rIns="96430" bIns="48216" numCol="1" anchor="t" anchorCtr="0" compatLnSpc="1">
@@ -10357,7 +10285,6 @@
             <a:ln>
               <a:noFill/>
             </a:ln>
-            <a:extLst/>
           </p:spPr>
           <p:txBody>
             <a:bodyPr vert="horz" wrap="square" lIns="96430" tIns="48216" rIns="96430" bIns="48216" numCol="1" anchor="t" anchorCtr="0" compatLnSpc="1">
@@ -11075,7 +11002,6 @@
             <a:ln>
               <a:noFill/>
             </a:ln>
-            <a:extLst/>
           </p:spPr>
           <p:txBody>
             <a:bodyPr vert="horz" wrap="square" lIns="96430" tIns="48216" rIns="96430" bIns="48216" numCol="1" anchor="t" anchorCtr="0" compatLnSpc="1">
@@ -11377,7 +11303,7 @@
           <a:p>
             <a:pPr algn="ctr"/>
             <a:r>
-              <a:rPr lang="zh-CN" altLang="en-US" sz="2800" dirty="0" smtClean="0">
+              <a:rPr lang="zh-CN" altLang="en-US" sz="2800" dirty="0">
                 <a:solidFill>
                   <a:schemeClr val="bg1">
                     <a:lumMod val="50000"/>
@@ -11541,14 +11467,14 @@
               </a:lnSpc>
             </a:pPr>
             <a:r>
-              <a:rPr lang="zh-CN" altLang="en-US" sz="2000" dirty="0" smtClean="0">
+              <a:rPr lang="zh-CN" altLang="en-US" sz="2000" dirty="0">
                 <a:latin typeface="Arial" panose="020B0604020202020204" pitchFamily="34" charset="0"/>
                 <a:ea typeface="微软雅黑" panose="020B0503020204020204" pitchFamily="34" charset="-122"/>
                 <a:sym typeface="Arial" panose="020B0604020202020204" pitchFamily="34" charset="0"/>
               </a:rPr>
               <a:t>项目确立</a:t>
             </a:r>
-            <a:endParaRPr lang="en-US" altLang="zh-CN" sz="2000" dirty="0" smtClean="0">
+            <a:endParaRPr lang="en-US" altLang="zh-CN" sz="2000" dirty="0">
               <a:latin typeface="Arial" panose="020B0604020202020204" pitchFamily="34" charset="0"/>
               <a:ea typeface="微软雅黑" panose="020B0503020204020204" pitchFamily="34" charset="-122"/>
               <a:sym typeface="Arial" panose="020B0604020202020204" pitchFamily="34" charset="0"/>
@@ -11561,7 +11487,7 @@
               </a:lnSpc>
             </a:pPr>
             <a:r>
-              <a:rPr lang="en-US" altLang="zh-CN" sz="2000" dirty="0" smtClean="0">
+              <a:rPr lang="en-US" altLang="zh-CN" sz="2000" dirty="0">
                 <a:latin typeface="Arial" panose="020B0604020202020204" pitchFamily="34" charset="0"/>
                 <a:ea typeface="微软雅黑" panose="020B0503020204020204" pitchFamily="34" charset="-122"/>
                 <a:sym typeface="Arial" panose="020B0604020202020204" pitchFamily="34" charset="0"/>
@@ -11569,7 +11495,7 @@
               <a:t>8</a:t>
             </a:r>
             <a:r>
-              <a:rPr lang="zh-CN" altLang="en-US" sz="2000" dirty="0" smtClean="0">
+              <a:rPr lang="zh-CN" altLang="en-US" sz="2000" dirty="0">
                 <a:latin typeface="Arial" panose="020B0604020202020204" pitchFamily="34" charset="0"/>
                 <a:ea typeface="微软雅黑" panose="020B0503020204020204" pitchFamily="34" charset="-122"/>
                 <a:sym typeface="Arial" panose="020B0604020202020204" pitchFamily="34" charset="0"/>
@@ -11577,7 +11503,7 @@
               <a:t>月</a:t>
             </a:r>
             <a:r>
-              <a:rPr lang="en-US" altLang="zh-CN" sz="2000" dirty="0" smtClean="0">
+              <a:rPr lang="en-US" altLang="zh-CN" sz="2000" dirty="0">
                 <a:latin typeface="Arial" panose="020B0604020202020204" pitchFamily="34" charset="0"/>
                 <a:ea typeface="微软雅黑" panose="020B0503020204020204" pitchFamily="34" charset="-122"/>
                 <a:sym typeface="Arial" panose="020B0604020202020204" pitchFamily="34" charset="0"/>
@@ -11585,18 +11511,13 @@
               <a:t>26</a:t>
             </a:r>
             <a:r>
-              <a:rPr lang="zh-CN" altLang="en-US" sz="2000" dirty="0" smtClean="0">
+              <a:rPr lang="zh-CN" altLang="en-US" sz="2000" dirty="0">
                 <a:latin typeface="Arial" panose="020B0604020202020204" pitchFamily="34" charset="0"/>
                 <a:ea typeface="微软雅黑" panose="020B0503020204020204" pitchFamily="34" charset="-122"/>
                 <a:sym typeface="Arial" panose="020B0604020202020204" pitchFamily="34" charset="0"/>
               </a:rPr>
               <a:t>日</a:t>
             </a:r>
-            <a:endParaRPr lang="zh-CN" altLang="en-US" sz="2000" dirty="0">
-              <a:latin typeface="Arial" panose="020B0604020202020204" pitchFamily="34" charset="0"/>
-              <a:ea typeface="微软雅黑" panose="020B0503020204020204" pitchFamily="34" charset="-122"/>
-              <a:sym typeface="Arial" panose="020B0604020202020204" pitchFamily="34" charset="0"/>
-            </a:endParaRPr>
           </a:p>
         </p:txBody>
       </p:sp>
@@ -11739,14 +11660,14 @@
               </a:lnSpc>
             </a:pPr>
             <a:r>
-              <a:rPr lang="zh-CN" altLang="en-US" sz="2000" dirty="0" smtClean="0">
+              <a:rPr lang="zh-CN" altLang="en-US" sz="2000" dirty="0">
                 <a:latin typeface="Arial" panose="020B0604020202020204" pitchFamily="34" charset="0"/>
                 <a:ea typeface="微软雅黑" panose="020B0503020204020204" pitchFamily="34" charset="-122"/>
                 <a:sym typeface="Arial" panose="020B0604020202020204" pitchFamily="34" charset="0"/>
               </a:rPr>
               <a:t>需求阶段</a:t>
             </a:r>
-            <a:endParaRPr lang="en-US" altLang="zh-CN" sz="2000" dirty="0" smtClean="0">
+            <a:endParaRPr lang="en-US" altLang="zh-CN" sz="2000" dirty="0">
               <a:latin typeface="Arial" panose="020B0604020202020204" pitchFamily="34" charset="0"/>
               <a:ea typeface="微软雅黑" panose="020B0503020204020204" pitchFamily="34" charset="-122"/>
               <a:sym typeface="Arial" panose="020B0604020202020204" pitchFamily="34" charset="0"/>
@@ -11759,7 +11680,7 @@
               </a:lnSpc>
             </a:pPr>
             <a:r>
-              <a:rPr lang="en-US" altLang="zh-CN" sz="2000" dirty="0" smtClean="0">
+              <a:rPr lang="en-US" altLang="zh-CN" sz="2000" dirty="0">
                 <a:latin typeface="Arial" panose="020B0604020202020204" pitchFamily="34" charset="0"/>
                 <a:ea typeface="微软雅黑" panose="020B0503020204020204" pitchFamily="34" charset="-122"/>
                 <a:sym typeface="Arial" panose="020B0604020202020204" pitchFamily="34" charset="0"/>
@@ -11767,7 +11688,7 @@
               <a:t>8</a:t>
             </a:r>
             <a:r>
-              <a:rPr lang="zh-CN" altLang="en-US" sz="2000" dirty="0" smtClean="0">
+              <a:rPr lang="zh-CN" altLang="en-US" sz="2000" dirty="0">
                 <a:latin typeface="Arial" panose="020B0604020202020204" pitchFamily="34" charset="0"/>
                 <a:ea typeface="微软雅黑" panose="020B0503020204020204" pitchFamily="34" charset="-122"/>
                 <a:sym typeface="Arial" panose="020B0604020202020204" pitchFamily="34" charset="0"/>
@@ -11775,7 +11696,7 @@
               <a:t>月</a:t>
             </a:r>
             <a:r>
-              <a:rPr lang="en-US" altLang="zh-CN" sz="2000" dirty="0" smtClean="0">
+              <a:rPr lang="en-US" altLang="zh-CN" sz="2000" dirty="0">
                 <a:latin typeface="Arial" panose="020B0604020202020204" pitchFamily="34" charset="0"/>
                 <a:ea typeface="微软雅黑" panose="020B0503020204020204" pitchFamily="34" charset="-122"/>
                 <a:sym typeface="Arial" panose="020B0604020202020204" pitchFamily="34" charset="0"/>
@@ -11783,18 +11704,13 @@
               <a:t>26</a:t>
             </a:r>
             <a:r>
-              <a:rPr lang="zh-CN" altLang="en-US" sz="2000" dirty="0" smtClean="0">
+              <a:rPr lang="zh-CN" altLang="en-US" sz="2000" dirty="0">
                 <a:latin typeface="Arial" panose="020B0604020202020204" pitchFamily="34" charset="0"/>
                 <a:ea typeface="微软雅黑" panose="020B0503020204020204" pitchFamily="34" charset="-122"/>
                 <a:sym typeface="Arial" panose="020B0604020202020204" pitchFamily="34" charset="0"/>
               </a:rPr>
               <a:t>日</a:t>
             </a:r>
-            <a:endParaRPr lang="zh-CN" altLang="en-US" sz="2000" dirty="0">
-              <a:latin typeface="Arial" panose="020B0604020202020204" pitchFamily="34" charset="0"/>
-              <a:ea typeface="微软雅黑" panose="020B0503020204020204" pitchFamily="34" charset="-122"/>
-              <a:sym typeface="Arial" panose="020B0604020202020204" pitchFamily="34" charset="0"/>
-            </a:endParaRPr>
           </a:p>
         </p:txBody>
       </p:sp>
@@ -11937,14 +11853,14 @@
               </a:lnSpc>
             </a:pPr>
             <a:r>
-              <a:rPr lang="zh-CN" altLang="en-US" sz="2000" dirty="0" smtClean="0">
+              <a:rPr lang="zh-CN" altLang="en-US" sz="2000" dirty="0">
                 <a:latin typeface="Arial" panose="020B0604020202020204" pitchFamily="34" charset="0"/>
                 <a:ea typeface="微软雅黑" panose="020B0503020204020204" pitchFamily="34" charset="-122"/>
                 <a:sym typeface="Arial" panose="020B0604020202020204" pitchFamily="34" charset="0"/>
               </a:rPr>
               <a:t>设计阶段</a:t>
             </a:r>
-            <a:endParaRPr lang="en-US" altLang="zh-CN" sz="2000" dirty="0" smtClean="0">
+            <a:endParaRPr lang="en-US" altLang="zh-CN" sz="2000" dirty="0">
               <a:latin typeface="Arial" panose="020B0604020202020204" pitchFamily="34" charset="0"/>
               <a:ea typeface="微软雅黑" panose="020B0503020204020204" pitchFamily="34" charset="-122"/>
               <a:sym typeface="Arial" panose="020B0604020202020204" pitchFamily="34" charset="0"/>
@@ -11957,7 +11873,7 @@
               </a:lnSpc>
             </a:pPr>
             <a:r>
-              <a:rPr lang="en-US" altLang="zh-CN" sz="2000" dirty="0" smtClean="0">
+              <a:rPr lang="en-US" altLang="zh-CN" sz="2000" dirty="0">
                 <a:latin typeface="Arial" panose="020B0604020202020204" pitchFamily="34" charset="0"/>
                 <a:ea typeface="微软雅黑" panose="020B0503020204020204" pitchFamily="34" charset="-122"/>
                 <a:sym typeface="Arial" panose="020B0604020202020204" pitchFamily="34" charset="0"/>
@@ -11965,7 +11881,7 @@
               <a:t>8</a:t>
             </a:r>
             <a:r>
-              <a:rPr lang="zh-CN" altLang="en-US" sz="2000" dirty="0" smtClean="0">
+              <a:rPr lang="zh-CN" altLang="en-US" sz="2000" dirty="0">
                 <a:latin typeface="Arial" panose="020B0604020202020204" pitchFamily="34" charset="0"/>
                 <a:ea typeface="微软雅黑" panose="020B0503020204020204" pitchFamily="34" charset="-122"/>
                 <a:sym typeface="Arial" panose="020B0604020202020204" pitchFamily="34" charset="0"/>
@@ -11973,7 +11889,7 @@
               <a:t>月</a:t>
             </a:r>
             <a:r>
-              <a:rPr lang="en-US" altLang="zh-CN" sz="2000" dirty="0" smtClean="0">
+              <a:rPr lang="en-US" altLang="zh-CN" sz="2000" dirty="0">
                 <a:latin typeface="Arial" panose="020B0604020202020204" pitchFamily="34" charset="0"/>
                 <a:ea typeface="微软雅黑" panose="020B0503020204020204" pitchFamily="34" charset="-122"/>
                 <a:sym typeface="Arial" panose="020B0604020202020204" pitchFamily="34" charset="0"/>
@@ -11981,18 +11897,13 @@
               <a:t>28</a:t>
             </a:r>
             <a:r>
-              <a:rPr lang="zh-CN" altLang="en-US" sz="2000" dirty="0" smtClean="0">
+              <a:rPr lang="zh-CN" altLang="en-US" sz="2000" dirty="0">
                 <a:latin typeface="Arial" panose="020B0604020202020204" pitchFamily="34" charset="0"/>
                 <a:ea typeface="微软雅黑" panose="020B0503020204020204" pitchFamily="34" charset="-122"/>
                 <a:sym typeface="Arial" panose="020B0604020202020204" pitchFamily="34" charset="0"/>
               </a:rPr>
               <a:t>日</a:t>
             </a:r>
-            <a:endParaRPr lang="zh-CN" altLang="en-US" sz="2000" dirty="0">
-              <a:latin typeface="Arial" panose="020B0604020202020204" pitchFamily="34" charset="0"/>
-              <a:ea typeface="微软雅黑" panose="020B0503020204020204" pitchFamily="34" charset="-122"/>
-              <a:sym typeface="Arial" panose="020B0604020202020204" pitchFamily="34" charset="0"/>
-            </a:endParaRPr>
           </a:p>
         </p:txBody>
       </p:sp>
@@ -12174,14 +12085,14 @@
               </a:lnSpc>
             </a:pPr>
             <a:r>
-              <a:rPr lang="zh-CN" altLang="en-US" sz="2000" dirty="0" smtClean="0">
+              <a:rPr lang="zh-CN" altLang="en-US" sz="2000" dirty="0">
                 <a:latin typeface="Arial" panose="020B0604020202020204" pitchFamily="34" charset="0"/>
                 <a:ea typeface="微软雅黑" panose="020B0503020204020204" pitchFamily="34" charset="-122"/>
                 <a:sym typeface="Arial" panose="020B0604020202020204" pitchFamily="34" charset="0"/>
               </a:rPr>
               <a:t>编码阶段</a:t>
             </a:r>
-            <a:endParaRPr lang="en-US" altLang="zh-CN" sz="2000" dirty="0" smtClean="0">
+            <a:endParaRPr lang="en-US" altLang="zh-CN" sz="2000" dirty="0">
               <a:latin typeface="Arial" panose="020B0604020202020204" pitchFamily="34" charset="0"/>
               <a:ea typeface="微软雅黑" panose="020B0503020204020204" pitchFamily="34" charset="-122"/>
               <a:sym typeface="Arial" panose="020B0604020202020204" pitchFamily="34" charset="0"/>
@@ -12194,7 +12105,7 @@
               </a:lnSpc>
             </a:pPr>
             <a:r>
-              <a:rPr lang="en-US" altLang="zh-CN" sz="2000" dirty="0" smtClean="0">
+              <a:rPr lang="en-US" altLang="zh-CN" sz="2000" dirty="0">
                 <a:latin typeface="Arial" panose="020B0604020202020204" pitchFamily="34" charset="0"/>
                 <a:ea typeface="微软雅黑" panose="020B0503020204020204" pitchFamily="34" charset="-122"/>
                 <a:sym typeface="Arial" panose="020B0604020202020204" pitchFamily="34" charset="0"/>
@@ -12202,7 +12113,7 @@
               <a:t>9</a:t>
             </a:r>
             <a:r>
-              <a:rPr lang="zh-CN" altLang="en-US" sz="2000" dirty="0" smtClean="0">
+              <a:rPr lang="zh-CN" altLang="en-US" sz="2000" dirty="0">
                 <a:latin typeface="Arial" panose="020B0604020202020204" pitchFamily="34" charset="0"/>
                 <a:ea typeface="微软雅黑" panose="020B0503020204020204" pitchFamily="34" charset="-122"/>
                 <a:sym typeface="Arial" panose="020B0604020202020204" pitchFamily="34" charset="0"/>
@@ -12210,7 +12121,7 @@
               <a:t>月</a:t>
             </a:r>
             <a:r>
-              <a:rPr lang="en-US" altLang="zh-CN" sz="2000" dirty="0" smtClean="0">
+              <a:rPr lang="en-US" altLang="zh-CN" sz="2000" dirty="0">
                 <a:latin typeface="Arial" panose="020B0604020202020204" pitchFamily="34" charset="0"/>
                 <a:ea typeface="微软雅黑" panose="020B0503020204020204" pitchFamily="34" charset="-122"/>
                 <a:sym typeface="Arial" panose="020B0604020202020204" pitchFamily="34" charset="0"/>
@@ -12218,18 +12129,13 @@
               <a:t>2</a:t>
             </a:r>
             <a:r>
-              <a:rPr lang="zh-CN" altLang="en-US" sz="2000" dirty="0" smtClean="0">
+              <a:rPr lang="zh-CN" altLang="en-US" sz="2000" dirty="0">
                 <a:latin typeface="Arial" panose="020B0604020202020204" pitchFamily="34" charset="0"/>
                 <a:ea typeface="微软雅黑" panose="020B0503020204020204" pitchFamily="34" charset="-122"/>
                 <a:sym typeface="Arial" panose="020B0604020202020204" pitchFamily="34" charset="0"/>
               </a:rPr>
               <a:t>日</a:t>
             </a:r>
-            <a:endParaRPr lang="zh-CN" altLang="en-US" sz="2000" dirty="0">
-              <a:latin typeface="Arial" panose="020B0604020202020204" pitchFamily="34" charset="0"/>
-              <a:ea typeface="微软雅黑" panose="020B0503020204020204" pitchFamily="34" charset="-122"/>
-              <a:sym typeface="Arial" panose="020B0604020202020204" pitchFamily="34" charset="0"/>
-            </a:endParaRPr>
           </a:p>
         </p:txBody>
       </p:sp>
@@ -12372,14 +12278,14 @@
               </a:lnSpc>
             </a:pPr>
             <a:r>
-              <a:rPr lang="zh-CN" altLang="en-US" sz="2000" dirty="0" smtClean="0">
+              <a:rPr lang="zh-CN" altLang="en-US" sz="2000" dirty="0">
                 <a:latin typeface="Arial" panose="020B0604020202020204" pitchFamily="34" charset="0"/>
                 <a:ea typeface="微软雅黑" panose="020B0503020204020204" pitchFamily="34" charset="-122"/>
                 <a:sym typeface="Arial" panose="020B0604020202020204" pitchFamily="34" charset="0"/>
               </a:rPr>
               <a:t>测试阶段</a:t>
             </a:r>
-            <a:endParaRPr lang="en-US" altLang="zh-CN" sz="2000" dirty="0" smtClean="0">
+            <a:endParaRPr lang="en-US" altLang="zh-CN" sz="2000" dirty="0">
               <a:latin typeface="Arial" panose="020B0604020202020204" pitchFamily="34" charset="0"/>
               <a:ea typeface="微软雅黑" panose="020B0503020204020204" pitchFamily="34" charset="-122"/>
               <a:sym typeface="Arial" panose="020B0604020202020204" pitchFamily="34" charset="0"/>
@@ -12392,7 +12298,7 @@
               </a:lnSpc>
             </a:pPr>
             <a:r>
-              <a:rPr lang="en-US" altLang="zh-CN" sz="2000" dirty="0" smtClean="0">
+              <a:rPr lang="en-US" altLang="zh-CN" sz="2000" dirty="0">
                 <a:latin typeface="Arial" panose="020B0604020202020204" pitchFamily="34" charset="0"/>
                 <a:ea typeface="微软雅黑" panose="020B0503020204020204" pitchFamily="34" charset="-122"/>
                 <a:sym typeface="Arial" panose="020B0604020202020204" pitchFamily="34" charset="0"/>
@@ -12400,7 +12306,7 @@
               <a:t>9</a:t>
             </a:r>
             <a:r>
-              <a:rPr lang="zh-CN" altLang="en-US" sz="2000" dirty="0" smtClean="0">
+              <a:rPr lang="zh-CN" altLang="en-US" sz="2000" dirty="0">
                 <a:latin typeface="Arial" panose="020B0604020202020204" pitchFamily="34" charset="0"/>
                 <a:ea typeface="微软雅黑" panose="020B0503020204020204" pitchFamily="34" charset="-122"/>
                 <a:sym typeface="Arial" panose="020B0604020202020204" pitchFamily="34" charset="0"/>
@@ -12408,7 +12314,7 @@
               <a:t>月</a:t>
             </a:r>
             <a:r>
-              <a:rPr lang="en-US" altLang="zh-CN" sz="2000" dirty="0" smtClean="0">
+              <a:rPr lang="en-US" altLang="zh-CN" sz="2000" dirty="0">
                 <a:latin typeface="Arial" panose="020B0604020202020204" pitchFamily="34" charset="0"/>
                 <a:ea typeface="微软雅黑" panose="020B0503020204020204" pitchFamily="34" charset="-122"/>
                 <a:sym typeface="Arial" panose="020B0604020202020204" pitchFamily="34" charset="0"/>
@@ -12416,18 +12322,13 @@
               <a:t>10</a:t>
             </a:r>
             <a:r>
-              <a:rPr lang="zh-CN" altLang="en-US" sz="2000" dirty="0" smtClean="0">
+              <a:rPr lang="zh-CN" altLang="en-US" sz="2000" dirty="0">
                 <a:latin typeface="Arial" panose="020B0604020202020204" pitchFamily="34" charset="0"/>
                 <a:ea typeface="微软雅黑" panose="020B0503020204020204" pitchFamily="34" charset="-122"/>
                 <a:sym typeface="Arial" panose="020B0604020202020204" pitchFamily="34" charset="0"/>
               </a:rPr>
               <a:t>日</a:t>
             </a:r>
-            <a:endParaRPr lang="zh-CN" altLang="en-US" sz="2000" dirty="0">
-              <a:latin typeface="Arial" panose="020B0604020202020204" pitchFamily="34" charset="0"/>
-              <a:ea typeface="微软雅黑" panose="020B0503020204020204" pitchFamily="34" charset="-122"/>
-              <a:sym typeface="Arial" panose="020B0604020202020204" pitchFamily="34" charset="0"/>
-            </a:endParaRPr>
           </a:p>
         </p:txBody>
       </p:sp>
@@ -12609,14 +12510,14 @@
               </a:lnSpc>
             </a:pPr>
             <a:r>
-              <a:rPr lang="zh-CN" altLang="en-US" sz="2000" dirty="0" smtClean="0">
+              <a:rPr lang="zh-CN" altLang="en-US" sz="2000" dirty="0">
                 <a:latin typeface="Arial" panose="020B0604020202020204" pitchFamily="34" charset="0"/>
                 <a:ea typeface="微软雅黑" panose="020B0503020204020204" pitchFamily="34" charset="-122"/>
                 <a:sym typeface="Arial" panose="020B0604020202020204" pitchFamily="34" charset="0"/>
               </a:rPr>
               <a:t>最终汇报</a:t>
             </a:r>
-            <a:endParaRPr lang="en-US" altLang="zh-CN" sz="2000" dirty="0" smtClean="0">
+            <a:endParaRPr lang="en-US" altLang="zh-CN" sz="2000" dirty="0">
               <a:latin typeface="Arial" panose="020B0604020202020204" pitchFamily="34" charset="0"/>
               <a:ea typeface="微软雅黑" panose="020B0503020204020204" pitchFamily="34" charset="-122"/>
               <a:sym typeface="Arial" panose="020B0604020202020204" pitchFamily="34" charset="0"/>
@@ -12629,7 +12530,7 @@
               </a:lnSpc>
             </a:pPr>
             <a:r>
-              <a:rPr lang="en-US" altLang="zh-CN" sz="2000" dirty="0" smtClean="0">
+              <a:rPr lang="en-US" altLang="zh-CN" sz="2000" dirty="0">
                 <a:latin typeface="Arial" panose="020B0604020202020204" pitchFamily="34" charset="0"/>
                 <a:ea typeface="微软雅黑" panose="020B0503020204020204" pitchFamily="34" charset="-122"/>
                 <a:sym typeface="Arial" panose="020B0604020202020204" pitchFamily="34" charset="0"/>
@@ -12637,7 +12538,7 @@
               <a:t>9</a:t>
             </a:r>
             <a:r>
-              <a:rPr lang="zh-CN" altLang="en-US" sz="2000" dirty="0" smtClean="0">
+              <a:rPr lang="zh-CN" altLang="en-US" sz="2000" dirty="0">
                 <a:latin typeface="Arial" panose="020B0604020202020204" pitchFamily="34" charset="0"/>
                 <a:ea typeface="微软雅黑" panose="020B0503020204020204" pitchFamily="34" charset="-122"/>
                 <a:sym typeface="Arial" panose="020B0604020202020204" pitchFamily="34" charset="0"/>
@@ -12645,7 +12546,7 @@
               <a:t>月</a:t>
             </a:r>
             <a:r>
-              <a:rPr lang="en-US" altLang="zh-CN" sz="2000" dirty="0" smtClean="0">
+              <a:rPr lang="en-US" altLang="zh-CN" sz="2000" dirty="0">
                 <a:latin typeface="Arial" panose="020B0604020202020204" pitchFamily="34" charset="0"/>
                 <a:ea typeface="微软雅黑" panose="020B0503020204020204" pitchFamily="34" charset="-122"/>
                 <a:sym typeface="Arial" panose="020B0604020202020204" pitchFamily="34" charset="0"/>
@@ -12653,18 +12554,13 @@
               <a:t>12</a:t>
             </a:r>
             <a:r>
-              <a:rPr lang="zh-CN" altLang="en-US" sz="2000" dirty="0" smtClean="0">
+              <a:rPr lang="zh-CN" altLang="en-US" sz="2000" dirty="0">
                 <a:latin typeface="Arial" panose="020B0604020202020204" pitchFamily="34" charset="0"/>
                 <a:ea typeface="微软雅黑" panose="020B0503020204020204" pitchFamily="34" charset="-122"/>
                 <a:sym typeface="Arial" panose="020B0604020202020204" pitchFamily="34" charset="0"/>
               </a:rPr>
               <a:t>日</a:t>
             </a:r>
-            <a:endParaRPr lang="zh-CN" altLang="en-US" sz="2000" dirty="0">
-              <a:latin typeface="Arial" panose="020B0604020202020204" pitchFamily="34" charset="0"/>
-              <a:ea typeface="微软雅黑" panose="020B0503020204020204" pitchFamily="34" charset="-122"/>
-              <a:sym typeface="Arial" panose="020B0604020202020204" pitchFamily="34" charset="0"/>
-            </a:endParaRPr>
           </a:p>
         </p:txBody>
       </p:sp>
@@ -12678,13 +12574,13 @@
   <p:clrMapOvr>
     <a:masterClrMapping/>
   </p:clrMapOvr>
-  <mc:AlternateContent xmlns:mc="http://schemas.openxmlformats.org/markup-compatibility/2006">
-    <mc:Choice xmlns:p14="http://schemas.microsoft.com/office/powerpoint/2010/main" Requires="p14">
+  <mc:AlternateContent xmlns:mc="http://schemas.openxmlformats.org/markup-compatibility/2006" xmlns:p14="http://schemas.microsoft.com/office/powerpoint/2010/main">
+    <mc:Choice Requires="p14">
       <p:transition spd="slow" p14:dur="1200">
         <p14:prism/>
       </p:transition>
     </mc:Choice>
-    <mc:Fallback>
+    <mc:Fallback xmlns="">
       <p:transition spd="slow">
         <p:fade/>
       </p:transition>
@@ -13700,13 +13596,6 @@
       </p:transition>
     </mc:Fallback>
   </mc:AlternateContent>
-  <p:timing>
-    <p:tnLst>
-      <p:par>
-        <p:cTn id="1" dur="indefinite" restart="never" nodeType="tmRoot"/>
-      </p:par>
-    </p:tnLst>
-  </p:timing>
 </p:sld>
 </file>
 
@@ -13813,13 +13702,6 @@
   <p:transition spd="slow">
     <p:cover/>
   </p:transition>
-  <p:timing>
-    <p:tnLst>
-      <p:par>
-        <p:cTn id="1" dur="indefinite" restart="never" nodeType="tmRoot"/>
-      </p:par>
-    </p:tnLst>
-  </p:timing>
 </p:sld>
 </file>
 
@@ -14888,7 +14770,7 @@
           <a:p>
             <a:pPr algn="r"/>
             <a:r>
-              <a:rPr lang="zh-CN" altLang="en-US" sz="3200" dirty="0" smtClean="0">
+              <a:rPr lang="zh-CN" altLang="en-US" sz="3200" dirty="0">
                 <a:solidFill>
                   <a:schemeClr val="bg1"/>
                 </a:solidFill>
@@ -14937,7 +14819,7 @@
           <a:p>
             <a:pPr lvl="0"/>
             <a:r>
-              <a:rPr lang="zh-CN" altLang="en-US" sz="3200" dirty="0" smtClean="0">
+              <a:rPr lang="zh-CN" altLang="en-US" sz="3200" dirty="0">
                 <a:solidFill>
                   <a:schemeClr val="bg1"/>
                 </a:solidFill>
@@ -14986,7 +14868,7 @@
           <a:p>
             <a:pPr lvl="0" algn="r"/>
             <a:r>
-              <a:rPr lang="zh-CN" altLang="en-US" sz="3200" dirty="0" smtClean="0">
+              <a:rPr lang="zh-CN" altLang="en-US" sz="3200" dirty="0">
                 <a:solidFill>
                   <a:schemeClr val="bg1"/>
                 </a:solidFill>
@@ -15173,13 +15055,6 @@
       </p:transition>
     </mc:Fallback>
   </mc:AlternateContent>
-  <p:timing>
-    <p:tnLst>
-      <p:par>
-        <p:cTn id="1" dur="indefinite" restart="never" nodeType="tmRoot"/>
-      </p:par>
-    </p:tnLst>
-  </p:timing>
 </p:sld>
 </file>
 
@@ -16676,7 +16551,7 @@
           <a:p>
             <a:pPr algn="ctr"/>
             <a:r>
-              <a:rPr lang="zh-CN" altLang="en-US" sz="3200" dirty="0" smtClean="0">
+              <a:rPr lang="zh-CN" altLang="en-US" sz="3200" dirty="0">
                 <a:solidFill>
                   <a:schemeClr val="bg1"/>
                 </a:solidFill>
@@ -16719,13 +16594,6 @@
       </p:transition>
     </mc:Fallback>
   </mc:AlternateContent>
-  <p:timing>
-    <p:tnLst>
-      <p:par>
-        <p:cTn id="1" dur="indefinite" restart="never" nodeType="tmRoot"/>
-      </p:par>
-    </p:tnLst>
-  </p:timing>
 </p:sld>
 </file>
 
@@ -18927,7 +18795,6 @@
             <a:ln>
               <a:noFill/>
             </a:ln>
-            <a:extLst/>
           </p:spPr>
           <p:txBody>
             <a:bodyPr vert="horz" wrap="square" lIns="96430" tIns="48216" rIns="96430" bIns="48216" numCol="1" anchor="t" anchorCtr="0" compatLnSpc="1">
@@ -19395,7 +19262,6 @@
             <a:ln>
               <a:noFill/>
             </a:ln>
-            <a:extLst/>
           </p:spPr>
           <p:txBody>
             <a:bodyPr vert="horz" wrap="square" lIns="96430" tIns="48216" rIns="96430" bIns="48216" numCol="1" anchor="t" anchorCtr="0" compatLnSpc="1">
@@ -20113,7 +19979,6 @@
             <a:ln>
               <a:noFill/>
             </a:ln>
-            <a:extLst/>
           </p:spPr>
           <p:txBody>
             <a:bodyPr vert="horz" wrap="square" lIns="96430" tIns="48216" rIns="96430" bIns="48216" numCol="1" anchor="t" anchorCtr="0" compatLnSpc="1">
@@ -20415,7 +20280,7 @@
           <a:p>
             <a:pPr algn="ctr"/>
             <a:r>
-              <a:rPr lang="zh-CN" altLang="en-US" sz="2800" dirty="0" smtClean="0">
+              <a:rPr lang="zh-CN" altLang="en-US" sz="2800" dirty="0">
                 <a:solidFill>
                   <a:schemeClr val="bg1">
                     <a:lumMod val="50000"/>
@@ -20579,14 +20444,14 @@
               </a:lnSpc>
             </a:pPr>
             <a:r>
-              <a:rPr lang="zh-CN" altLang="en-US" sz="2000" dirty="0" smtClean="0">
+              <a:rPr lang="zh-CN" altLang="en-US" sz="2000" dirty="0">
                 <a:latin typeface="Arial" panose="020B0604020202020204" pitchFamily="34" charset="0"/>
                 <a:ea typeface="微软雅黑" panose="020B0503020204020204" pitchFamily="34" charset="-122"/>
                 <a:sym typeface="Arial" panose="020B0604020202020204" pitchFamily="34" charset="0"/>
               </a:rPr>
               <a:t>项目确立</a:t>
             </a:r>
-            <a:endParaRPr lang="en-US" altLang="zh-CN" sz="2000" dirty="0" smtClean="0">
+            <a:endParaRPr lang="en-US" altLang="zh-CN" sz="2000" dirty="0">
               <a:latin typeface="Arial" panose="020B0604020202020204" pitchFamily="34" charset="0"/>
               <a:ea typeface="微软雅黑" panose="020B0503020204020204" pitchFamily="34" charset="-122"/>
               <a:sym typeface="Arial" panose="020B0604020202020204" pitchFamily="34" charset="0"/>
@@ -20599,7 +20464,7 @@
               </a:lnSpc>
             </a:pPr>
             <a:r>
-              <a:rPr lang="en-US" altLang="zh-CN" sz="2000" dirty="0" smtClean="0">
+              <a:rPr lang="en-US" altLang="zh-CN" sz="2000" dirty="0">
                 <a:latin typeface="Arial" panose="020B0604020202020204" pitchFamily="34" charset="0"/>
                 <a:ea typeface="微软雅黑" panose="020B0503020204020204" pitchFamily="34" charset="-122"/>
                 <a:sym typeface="Arial" panose="020B0604020202020204" pitchFamily="34" charset="0"/>
@@ -20607,7 +20472,7 @@
               <a:t>8</a:t>
             </a:r>
             <a:r>
-              <a:rPr lang="zh-CN" altLang="en-US" sz="2000" dirty="0" smtClean="0">
+              <a:rPr lang="zh-CN" altLang="en-US" sz="2000" dirty="0">
                 <a:latin typeface="Arial" panose="020B0604020202020204" pitchFamily="34" charset="0"/>
                 <a:ea typeface="微软雅黑" panose="020B0503020204020204" pitchFamily="34" charset="-122"/>
                 <a:sym typeface="Arial" panose="020B0604020202020204" pitchFamily="34" charset="0"/>
@@ -20615,7 +20480,7 @@
               <a:t>月</a:t>
             </a:r>
             <a:r>
-              <a:rPr lang="en-US" altLang="zh-CN" sz="2000" dirty="0" smtClean="0">
+              <a:rPr lang="en-US" altLang="zh-CN" sz="2000" dirty="0">
                 <a:latin typeface="Arial" panose="020B0604020202020204" pitchFamily="34" charset="0"/>
                 <a:ea typeface="微软雅黑" panose="020B0503020204020204" pitchFamily="34" charset="-122"/>
                 <a:sym typeface="Arial" panose="020B0604020202020204" pitchFamily="34" charset="0"/>
@@ -20623,18 +20488,13 @@
               <a:t>26</a:t>
             </a:r>
             <a:r>
-              <a:rPr lang="zh-CN" altLang="en-US" sz="2000" dirty="0" smtClean="0">
+              <a:rPr lang="zh-CN" altLang="en-US" sz="2000" dirty="0">
                 <a:latin typeface="Arial" panose="020B0604020202020204" pitchFamily="34" charset="0"/>
                 <a:ea typeface="微软雅黑" panose="020B0503020204020204" pitchFamily="34" charset="-122"/>
                 <a:sym typeface="Arial" panose="020B0604020202020204" pitchFamily="34" charset="0"/>
               </a:rPr>
               <a:t>日</a:t>
             </a:r>
-            <a:endParaRPr lang="zh-CN" altLang="en-US" sz="2000" dirty="0">
-              <a:latin typeface="Arial" panose="020B0604020202020204" pitchFamily="34" charset="0"/>
-              <a:ea typeface="微软雅黑" panose="020B0503020204020204" pitchFamily="34" charset="-122"/>
-              <a:sym typeface="Arial" panose="020B0604020202020204" pitchFamily="34" charset="0"/>
-            </a:endParaRPr>
           </a:p>
         </p:txBody>
       </p:sp>
@@ -20777,14 +20637,14 @@
               </a:lnSpc>
             </a:pPr>
             <a:r>
-              <a:rPr lang="zh-CN" altLang="en-US" sz="2000" dirty="0" smtClean="0">
+              <a:rPr lang="zh-CN" altLang="en-US" sz="2000" dirty="0">
                 <a:latin typeface="Arial" panose="020B0604020202020204" pitchFamily="34" charset="0"/>
                 <a:ea typeface="微软雅黑" panose="020B0503020204020204" pitchFamily="34" charset="-122"/>
                 <a:sym typeface="Arial" panose="020B0604020202020204" pitchFamily="34" charset="0"/>
               </a:rPr>
               <a:t>需求阶段</a:t>
             </a:r>
-            <a:endParaRPr lang="en-US" altLang="zh-CN" sz="2000" dirty="0" smtClean="0">
+            <a:endParaRPr lang="en-US" altLang="zh-CN" sz="2000" dirty="0">
               <a:latin typeface="Arial" panose="020B0604020202020204" pitchFamily="34" charset="0"/>
               <a:ea typeface="微软雅黑" panose="020B0503020204020204" pitchFamily="34" charset="-122"/>
               <a:sym typeface="Arial" panose="020B0604020202020204" pitchFamily="34" charset="0"/>
@@ -20797,7 +20657,7 @@
               </a:lnSpc>
             </a:pPr>
             <a:r>
-              <a:rPr lang="en-US" altLang="zh-CN" sz="2000" dirty="0" smtClean="0">
+              <a:rPr lang="en-US" altLang="zh-CN" sz="2000" dirty="0">
                 <a:latin typeface="Arial" panose="020B0604020202020204" pitchFamily="34" charset="0"/>
                 <a:ea typeface="微软雅黑" panose="020B0503020204020204" pitchFamily="34" charset="-122"/>
                 <a:sym typeface="Arial" panose="020B0604020202020204" pitchFamily="34" charset="0"/>
@@ -20805,7 +20665,7 @@
               <a:t>8</a:t>
             </a:r>
             <a:r>
-              <a:rPr lang="zh-CN" altLang="en-US" sz="2000" dirty="0" smtClean="0">
+              <a:rPr lang="zh-CN" altLang="en-US" sz="2000" dirty="0">
                 <a:latin typeface="Arial" panose="020B0604020202020204" pitchFamily="34" charset="0"/>
                 <a:ea typeface="微软雅黑" panose="020B0503020204020204" pitchFamily="34" charset="-122"/>
                 <a:sym typeface="Arial" panose="020B0604020202020204" pitchFamily="34" charset="0"/>
@@ -20813,7 +20673,7 @@
               <a:t>月</a:t>
             </a:r>
             <a:r>
-              <a:rPr lang="en-US" altLang="zh-CN" sz="2000" dirty="0" smtClean="0">
+              <a:rPr lang="en-US" altLang="zh-CN" sz="2000" dirty="0">
                 <a:latin typeface="Arial" panose="020B0604020202020204" pitchFamily="34" charset="0"/>
                 <a:ea typeface="微软雅黑" panose="020B0503020204020204" pitchFamily="34" charset="-122"/>
                 <a:sym typeface="Arial" panose="020B0604020202020204" pitchFamily="34" charset="0"/>
@@ -20821,18 +20681,13 @@
               <a:t>26</a:t>
             </a:r>
             <a:r>
-              <a:rPr lang="zh-CN" altLang="en-US" sz="2000" dirty="0" smtClean="0">
+              <a:rPr lang="zh-CN" altLang="en-US" sz="2000" dirty="0">
                 <a:latin typeface="Arial" panose="020B0604020202020204" pitchFamily="34" charset="0"/>
                 <a:ea typeface="微软雅黑" panose="020B0503020204020204" pitchFamily="34" charset="-122"/>
                 <a:sym typeface="Arial" panose="020B0604020202020204" pitchFamily="34" charset="0"/>
               </a:rPr>
               <a:t>日</a:t>
             </a:r>
-            <a:endParaRPr lang="zh-CN" altLang="en-US" sz="2000" dirty="0">
-              <a:latin typeface="Arial" panose="020B0604020202020204" pitchFamily="34" charset="0"/>
-              <a:ea typeface="微软雅黑" panose="020B0503020204020204" pitchFamily="34" charset="-122"/>
-              <a:sym typeface="Arial" panose="020B0604020202020204" pitchFamily="34" charset="0"/>
-            </a:endParaRPr>
           </a:p>
         </p:txBody>
       </p:sp>
@@ -20975,14 +20830,14 @@
               </a:lnSpc>
             </a:pPr>
             <a:r>
-              <a:rPr lang="zh-CN" altLang="en-US" sz="2000" dirty="0" smtClean="0">
+              <a:rPr lang="zh-CN" altLang="en-US" sz="2000" dirty="0">
                 <a:latin typeface="Arial" panose="020B0604020202020204" pitchFamily="34" charset="0"/>
                 <a:ea typeface="微软雅黑" panose="020B0503020204020204" pitchFamily="34" charset="-122"/>
                 <a:sym typeface="Arial" panose="020B0604020202020204" pitchFamily="34" charset="0"/>
               </a:rPr>
               <a:t>设计阶段</a:t>
             </a:r>
-            <a:endParaRPr lang="en-US" altLang="zh-CN" sz="2000" dirty="0" smtClean="0">
+            <a:endParaRPr lang="en-US" altLang="zh-CN" sz="2000" dirty="0">
               <a:latin typeface="Arial" panose="020B0604020202020204" pitchFamily="34" charset="0"/>
               <a:ea typeface="微软雅黑" panose="020B0503020204020204" pitchFamily="34" charset="-122"/>
               <a:sym typeface="Arial" panose="020B0604020202020204" pitchFamily="34" charset="0"/>
@@ -20995,7 +20850,7 @@
               </a:lnSpc>
             </a:pPr>
             <a:r>
-              <a:rPr lang="en-US" altLang="zh-CN" sz="2000" dirty="0" smtClean="0">
+              <a:rPr lang="en-US" altLang="zh-CN" sz="2000" dirty="0">
                 <a:latin typeface="Arial" panose="020B0604020202020204" pitchFamily="34" charset="0"/>
                 <a:ea typeface="微软雅黑" panose="020B0503020204020204" pitchFamily="34" charset="-122"/>
                 <a:sym typeface="Arial" panose="020B0604020202020204" pitchFamily="34" charset="0"/>
@@ -21003,7 +20858,7 @@
               <a:t>8</a:t>
             </a:r>
             <a:r>
-              <a:rPr lang="zh-CN" altLang="en-US" sz="2000" dirty="0" smtClean="0">
+              <a:rPr lang="zh-CN" altLang="en-US" sz="2000" dirty="0">
                 <a:latin typeface="Arial" panose="020B0604020202020204" pitchFamily="34" charset="0"/>
                 <a:ea typeface="微软雅黑" panose="020B0503020204020204" pitchFamily="34" charset="-122"/>
                 <a:sym typeface="Arial" panose="020B0604020202020204" pitchFamily="34" charset="0"/>
@@ -21011,7 +20866,7 @@
               <a:t>月</a:t>
             </a:r>
             <a:r>
-              <a:rPr lang="en-US" altLang="zh-CN" sz="2000" dirty="0" smtClean="0">
+              <a:rPr lang="en-US" altLang="zh-CN" sz="2000" dirty="0">
                 <a:latin typeface="Arial" panose="020B0604020202020204" pitchFamily="34" charset="0"/>
                 <a:ea typeface="微软雅黑" panose="020B0503020204020204" pitchFamily="34" charset="-122"/>
                 <a:sym typeface="Arial" panose="020B0604020202020204" pitchFamily="34" charset="0"/>
@@ -21019,18 +20874,13 @@
               <a:t>28</a:t>
             </a:r>
             <a:r>
-              <a:rPr lang="zh-CN" altLang="en-US" sz="2000" dirty="0" smtClean="0">
+              <a:rPr lang="zh-CN" altLang="en-US" sz="2000" dirty="0">
                 <a:latin typeface="Arial" panose="020B0604020202020204" pitchFamily="34" charset="0"/>
                 <a:ea typeface="微软雅黑" panose="020B0503020204020204" pitchFamily="34" charset="-122"/>
                 <a:sym typeface="Arial" panose="020B0604020202020204" pitchFamily="34" charset="0"/>
               </a:rPr>
               <a:t>日</a:t>
             </a:r>
-            <a:endParaRPr lang="zh-CN" altLang="en-US" sz="2000" dirty="0">
-              <a:latin typeface="Arial" panose="020B0604020202020204" pitchFamily="34" charset="0"/>
-              <a:ea typeface="微软雅黑" panose="020B0503020204020204" pitchFamily="34" charset="-122"/>
-              <a:sym typeface="Arial" panose="020B0604020202020204" pitchFamily="34" charset="0"/>
-            </a:endParaRPr>
           </a:p>
         </p:txBody>
       </p:sp>
@@ -21212,14 +21062,14 @@
               </a:lnSpc>
             </a:pPr>
             <a:r>
-              <a:rPr lang="zh-CN" altLang="en-US" sz="2000" dirty="0" smtClean="0">
+              <a:rPr lang="zh-CN" altLang="en-US" sz="2000" dirty="0">
                 <a:latin typeface="Arial" panose="020B0604020202020204" pitchFamily="34" charset="0"/>
                 <a:ea typeface="微软雅黑" panose="020B0503020204020204" pitchFamily="34" charset="-122"/>
                 <a:sym typeface="Arial" panose="020B0604020202020204" pitchFamily="34" charset="0"/>
               </a:rPr>
               <a:t>编码阶段</a:t>
             </a:r>
-            <a:endParaRPr lang="en-US" altLang="zh-CN" sz="2000" dirty="0" smtClean="0">
+            <a:endParaRPr lang="en-US" altLang="zh-CN" sz="2000" dirty="0">
               <a:latin typeface="Arial" panose="020B0604020202020204" pitchFamily="34" charset="0"/>
               <a:ea typeface="微软雅黑" panose="020B0503020204020204" pitchFamily="34" charset="-122"/>
               <a:sym typeface="Arial" panose="020B0604020202020204" pitchFamily="34" charset="0"/>
@@ -21232,7 +21082,7 @@
               </a:lnSpc>
             </a:pPr>
             <a:r>
-              <a:rPr lang="en-US" altLang="zh-CN" sz="2000" dirty="0" smtClean="0">
+              <a:rPr lang="en-US" altLang="zh-CN" sz="2000" dirty="0">
                 <a:latin typeface="Arial" panose="020B0604020202020204" pitchFamily="34" charset="0"/>
                 <a:ea typeface="微软雅黑" panose="020B0503020204020204" pitchFamily="34" charset="-122"/>
                 <a:sym typeface="Arial" panose="020B0604020202020204" pitchFamily="34" charset="0"/>
@@ -21240,7 +21090,7 @@
               <a:t>9</a:t>
             </a:r>
             <a:r>
-              <a:rPr lang="zh-CN" altLang="en-US" sz="2000" dirty="0" smtClean="0">
+              <a:rPr lang="zh-CN" altLang="en-US" sz="2000" dirty="0">
                 <a:latin typeface="Arial" panose="020B0604020202020204" pitchFamily="34" charset="0"/>
                 <a:ea typeface="微软雅黑" panose="020B0503020204020204" pitchFamily="34" charset="-122"/>
                 <a:sym typeface="Arial" panose="020B0604020202020204" pitchFamily="34" charset="0"/>
@@ -21248,7 +21098,7 @@
               <a:t>月</a:t>
             </a:r>
             <a:r>
-              <a:rPr lang="en-US" altLang="zh-CN" sz="2000" dirty="0" smtClean="0">
+              <a:rPr lang="en-US" altLang="zh-CN" sz="2000" dirty="0">
                 <a:latin typeface="Arial" panose="020B0604020202020204" pitchFamily="34" charset="0"/>
                 <a:ea typeface="微软雅黑" panose="020B0503020204020204" pitchFamily="34" charset="-122"/>
                 <a:sym typeface="Arial" panose="020B0604020202020204" pitchFamily="34" charset="0"/>
@@ -21256,18 +21106,13 @@
               <a:t>2</a:t>
             </a:r>
             <a:r>
-              <a:rPr lang="zh-CN" altLang="en-US" sz="2000" dirty="0" smtClean="0">
+              <a:rPr lang="zh-CN" altLang="en-US" sz="2000" dirty="0">
                 <a:latin typeface="Arial" panose="020B0604020202020204" pitchFamily="34" charset="0"/>
                 <a:ea typeface="微软雅黑" panose="020B0503020204020204" pitchFamily="34" charset="-122"/>
                 <a:sym typeface="Arial" panose="020B0604020202020204" pitchFamily="34" charset="0"/>
               </a:rPr>
               <a:t>日</a:t>
             </a:r>
-            <a:endParaRPr lang="zh-CN" altLang="en-US" sz="2000" dirty="0">
-              <a:latin typeface="Arial" panose="020B0604020202020204" pitchFamily="34" charset="0"/>
-              <a:ea typeface="微软雅黑" panose="020B0503020204020204" pitchFamily="34" charset="-122"/>
-              <a:sym typeface="Arial" panose="020B0604020202020204" pitchFamily="34" charset="0"/>
-            </a:endParaRPr>
           </a:p>
         </p:txBody>
       </p:sp>
@@ -21410,14 +21255,14 @@
               </a:lnSpc>
             </a:pPr>
             <a:r>
-              <a:rPr lang="zh-CN" altLang="en-US" sz="2000" dirty="0" smtClean="0">
+              <a:rPr lang="zh-CN" altLang="en-US" sz="2000" dirty="0">
                 <a:latin typeface="Arial" panose="020B0604020202020204" pitchFamily="34" charset="0"/>
                 <a:ea typeface="微软雅黑" panose="020B0503020204020204" pitchFamily="34" charset="-122"/>
                 <a:sym typeface="Arial" panose="020B0604020202020204" pitchFamily="34" charset="0"/>
               </a:rPr>
               <a:t>测试阶段</a:t>
             </a:r>
-            <a:endParaRPr lang="en-US" altLang="zh-CN" sz="2000" dirty="0" smtClean="0">
+            <a:endParaRPr lang="en-US" altLang="zh-CN" sz="2000" dirty="0">
               <a:latin typeface="Arial" panose="020B0604020202020204" pitchFamily="34" charset="0"/>
               <a:ea typeface="微软雅黑" panose="020B0503020204020204" pitchFamily="34" charset="-122"/>
               <a:sym typeface="Arial" panose="020B0604020202020204" pitchFamily="34" charset="0"/>
@@ -21430,7 +21275,7 @@
               </a:lnSpc>
             </a:pPr>
             <a:r>
-              <a:rPr lang="en-US" altLang="zh-CN" sz="2000" dirty="0" smtClean="0">
+              <a:rPr lang="en-US" altLang="zh-CN" sz="2000" dirty="0">
                 <a:latin typeface="Arial" panose="020B0604020202020204" pitchFamily="34" charset="0"/>
                 <a:ea typeface="微软雅黑" panose="020B0503020204020204" pitchFamily="34" charset="-122"/>
                 <a:sym typeface="Arial" panose="020B0604020202020204" pitchFamily="34" charset="0"/>
@@ -21438,7 +21283,7 @@
               <a:t>9</a:t>
             </a:r>
             <a:r>
-              <a:rPr lang="zh-CN" altLang="en-US" sz="2000" dirty="0" smtClean="0">
+              <a:rPr lang="zh-CN" altLang="en-US" sz="2000" dirty="0">
                 <a:latin typeface="Arial" panose="020B0604020202020204" pitchFamily="34" charset="0"/>
                 <a:ea typeface="微软雅黑" panose="020B0503020204020204" pitchFamily="34" charset="-122"/>
                 <a:sym typeface="Arial" panose="020B0604020202020204" pitchFamily="34" charset="0"/>
@@ -21446,7 +21291,7 @@
               <a:t>月</a:t>
             </a:r>
             <a:r>
-              <a:rPr lang="en-US" altLang="zh-CN" sz="2000" dirty="0" smtClean="0">
+              <a:rPr lang="en-US" altLang="zh-CN" sz="2000" dirty="0">
                 <a:latin typeface="Arial" panose="020B0604020202020204" pitchFamily="34" charset="0"/>
                 <a:ea typeface="微软雅黑" panose="020B0503020204020204" pitchFamily="34" charset="-122"/>
                 <a:sym typeface="Arial" panose="020B0604020202020204" pitchFamily="34" charset="0"/>
@@ -21454,18 +21299,13 @@
               <a:t>10</a:t>
             </a:r>
             <a:r>
-              <a:rPr lang="zh-CN" altLang="en-US" sz="2000" dirty="0" smtClean="0">
+              <a:rPr lang="zh-CN" altLang="en-US" sz="2000" dirty="0">
                 <a:latin typeface="Arial" panose="020B0604020202020204" pitchFamily="34" charset="0"/>
                 <a:ea typeface="微软雅黑" panose="020B0503020204020204" pitchFamily="34" charset="-122"/>
                 <a:sym typeface="Arial" panose="020B0604020202020204" pitchFamily="34" charset="0"/>
               </a:rPr>
               <a:t>日</a:t>
             </a:r>
-            <a:endParaRPr lang="zh-CN" altLang="en-US" sz="2000" dirty="0">
-              <a:latin typeface="Arial" panose="020B0604020202020204" pitchFamily="34" charset="0"/>
-              <a:ea typeface="微软雅黑" panose="020B0503020204020204" pitchFamily="34" charset="-122"/>
-              <a:sym typeface="Arial" panose="020B0604020202020204" pitchFamily="34" charset="0"/>
-            </a:endParaRPr>
           </a:p>
         </p:txBody>
       </p:sp>
@@ -21647,14 +21487,14 @@
               </a:lnSpc>
             </a:pPr>
             <a:r>
-              <a:rPr lang="zh-CN" altLang="en-US" sz="2000" dirty="0" smtClean="0">
+              <a:rPr lang="zh-CN" altLang="en-US" sz="2000" dirty="0">
                 <a:latin typeface="Arial" panose="020B0604020202020204" pitchFamily="34" charset="0"/>
                 <a:ea typeface="微软雅黑" panose="020B0503020204020204" pitchFamily="34" charset="-122"/>
                 <a:sym typeface="Arial" panose="020B0604020202020204" pitchFamily="34" charset="0"/>
               </a:rPr>
               <a:t>最终汇报</a:t>
             </a:r>
-            <a:endParaRPr lang="en-US" altLang="zh-CN" sz="2000" dirty="0" smtClean="0">
+            <a:endParaRPr lang="en-US" altLang="zh-CN" sz="2000" dirty="0">
               <a:latin typeface="Arial" panose="020B0604020202020204" pitchFamily="34" charset="0"/>
               <a:ea typeface="微软雅黑" panose="020B0503020204020204" pitchFamily="34" charset="-122"/>
               <a:sym typeface="Arial" panose="020B0604020202020204" pitchFamily="34" charset="0"/>
@@ -21667,7 +21507,7 @@
               </a:lnSpc>
             </a:pPr>
             <a:r>
-              <a:rPr lang="en-US" altLang="zh-CN" sz="2000" dirty="0" smtClean="0">
+              <a:rPr lang="en-US" altLang="zh-CN" sz="2000" dirty="0">
                 <a:latin typeface="Arial" panose="020B0604020202020204" pitchFamily="34" charset="0"/>
                 <a:ea typeface="微软雅黑" panose="020B0503020204020204" pitchFamily="34" charset="-122"/>
                 <a:sym typeface="Arial" panose="020B0604020202020204" pitchFamily="34" charset="0"/>
@@ -21675,7 +21515,7 @@
               <a:t>9</a:t>
             </a:r>
             <a:r>
-              <a:rPr lang="zh-CN" altLang="en-US" sz="2000" dirty="0" smtClean="0">
+              <a:rPr lang="zh-CN" altLang="en-US" sz="2000" dirty="0">
                 <a:latin typeface="Arial" panose="020B0604020202020204" pitchFamily="34" charset="0"/>
                 <a:ea typeface="微软雅黑" panose="020B0503020204020204" pitchFamily="34" charset="-122"/>
                 <a:sym typeface="Arial" panose="020B0604020202020204" pitchFamily="34" charset="0"/>
@@ -21683,7 +21523,7 @@
               <a:t>月</a:t>
             </a:r>
             <a:r>
-              <a:rPr lang="en-US" altLang="zh-CN" sz="2000" dirty="0" smtClean="0">
+              <a:rPr lang="en-US" altLang="zh-CN" sz="2000" dirty="0">
                 <a:latin typeface="Arial" panose="020B0604020202020204" pitchFamily="34" charset="0"/>
                 <a:ea typeface="微软雅黑" panose="020B0503020204020204" pitchFamily="34" charset="-122"/>
                 <a:sym typeface="Arial" panose="020B0604020202020204" pitchFamily="34" charset="0"/>
@@ -21691,18 +21531,13 @@
               <a:t>12</a:t>
             </a:r>
             <a:r>
-              <a:rPr lang="zh-CN" altLang="en-US" sz="2000" dirty="0" smtClean="0">
+              <a:rPr lang="zh-CN" altLang="en-US" sz="2000" dirty="0">
                 <a:latin typeface="Arial" panose="020B0604020202020204" pitchFamily="34" charset="0"/>
                 <a:ea typeface="微软雅黑" panose="020B0503020204020204" pitchFamily="34" charset="-122"/>
                 <a:sym typeface="Arial" panose="020B0604020202020204" pitchFamily="34" charset="0"/>
               </a:rPr>
               <a:t>日</a:t>
             </a:r>
-            <a:endParaRPr lang="zh-CN" altLang="en-US" sz="2000" dirty="0">
-              <a:latin typeface="Arial" panose="020B0604020202020204" pitchFamily="34" charset="0"/>
-              <a:ea typeface="微软雅黑" panose="020B0503020204020204" pitchFamily="34" charset="-122"/>
-              <a:sym typeface="Arial" panose="020B0604020202020204" pitchFamily="34" charset="0"/>
-            </a:endParaRPr>
           </a:p>
         </p:txBody>
       </p:sp>
@@ -21716,13 +21551,13 @@
   <p:clrMapOvr>
     <a:masterClrMapping/>
   </p:clrMapOvr>
-  <mc:AlternateContent xmlns:mc="http://schemas.openxmlformats.org/markup-compatibility/2006">
-    <mc:Choice xmlns:p14="http://schemas.microsoft.com/office/powerpoint/2010/main" Requires="p14">
+  <mc:AlternateContent xmlns:mc="http://schemas.openxmlformats.org/markup-compatibility/2006" xmlns:p14="http://schemas.microsoft.com/office/powerpoint/2010/main">
+    <mc:Choice Requires="p14">
       <p:transition spd="slow" p14:dur="1200">
         <p14:prism/>
       </p:transition>
     </mc:Choice>
-    <mc:Fallback>
+    <mc:Fallback xmlns="">
       <p:transition spd="slow">
         <p:fade/>
       </p:transition>
@@ -22455,18 +22290,13 @@
               </a:lnSpc>
             </a:pPr>
             <a:r>
-              <a:rPr lang="zh-CN" altLang="en-US" sz="2400" dirty="0" smtClean="0">
+              <a:rPr lang="zh-CN" altLang="en-US" sz="2400" dirty="0">
                 <a:latin typeface="Arial" panose="020B0604020202020204" pitchFamily="34" charset="0"/>
                 <a:ea typeface="微软雅黑" panose="020B0503020204020204" pitchFamily="34" charset="-122"/>
                 <a:sym typeface="Arial" panose="020B0604020202020204" pitchFamily="34" charset="0"/>
               </a:rPr>
               <a:t>前端代码结构展示</a:t>
             </a:r>
-            <a:endParaRPr lang="zh-CN" altLang="en-US" sz="2400" dirty="0">
-              <a:latin typeface="Arial" panose="020B0604020202020204" pitchFamily="34" charset="0"/>
-              <a:ea typeface="微软雅黑" panose="020B0503020204020204" pitchFamily="34" charset="-122"/>
-              <a:sym typeface="Arial" panose="020B0604020202020204" pitchFamily="34" charset="0"/>
-            </a:endParaRPr>
           </a:p>
         </p:txBody>
       </p:sp>
@@ -22601,13 +22431,6 @@
       </p:transition>
     </mc:Fallback>
   </mc:AlternateContent>
-  <p:timing>
-    <p:tnLst>
-      <p:par>
-        <p:cTn id="1" dur="indefinite" restart="never" nodeType="tmRoot"/>
-      </p:par>
-    </p:tnLst>
-  </p:timing>
 </p:sld>
 </file>
 
@@ -22680,13 +22503,6 @@
       </p:transition>
     </mc:Fallback>
   </mc:AlternateContent>
-  <p:timing>
-    <p:tnLst>
-      <p:par>
-        <p:cTn id="1" dur="indefinite" restart="never" nodeType="tmRoot"/>
-      </p:par>
-    </p:tnLst>
-  </p:timing>
 </p:sld>
 </file>
 
@@ -22759,13 +22575,6 @@
       </p:transition>
     </mc:Fallback>
   </mc:AlternateContent>
-  <p:timing>
-    <p:tnLst>
-      <p:par>
-        <p:cTn id="1" dur="indefinite" restart="never" nodeType="tmRoot"/>
-      </p:par>
-    </p:tnLst>
-  </p:timing>
 </p:sld>
 </file>
 
@@ -22925,26 +22734,13 @@
               </a:lnSpc>
             </a:pPr>
             <a:r>
-              <a:rPr lang="zh-CN" altLang="en-US" sz="2400" dirty="0" smtClean="0">
+              <a:rPr lang="zh-CN" altLang="en-US" sz="2400" dirty="0">
                 <a:latin typeface="Arial" panose="020B0604020202020204" pitchFamily="34" charset="0"/>
                 <a:ea typeface="微软雅黑" panose="020B0503020204020204" pitchFamily="34" charset="-122"/>
                 <a:sym typeface="Arial" panose="020B0604020202020204" pitchFamily="34" charset="0"/>
               </a:rPr>
-              <a:t>后端代码结构</a:t>
+              <a:t>后端代码结构展示</a:t>
             </a:r>
-            <a:r>
-              <a:rPr lang="zh-CN" altLang="en-US" sz="2400" dirty="0" smtClean="0">
-                <a:latin typeface="Arial" panose="020B0604020202020204" pitchFamily="34" charset="0"/>
-                <a:ea typeface="微软雅黑" panose="020B0503020204020204" pitchFamily="34" charset="-122"/>
-                <a:sym typeface="Arial" panose="020B0604020202020204" pitchFamily="34" charset="0"/>
-              </a:rPr>
-              <a:t>展示</a:t>
-            </a:r>
-            <a:endParaRPr lang="zh-CN" altLang="en-US" sz="2400" dirty="0">
-              <a:latin typeface="Arial" panose="020B0604020202020204" pitchFamily="34" charset="0"/>
-              <a:ea typeface="微软雅黑" panose="020B0503020204020204" pitchFamily="34" charset="-122"/>
-              <a:sym typeface="Arial" panose="020B0604020202020204" pitchFamily="34" charset="0"/>
-            </a:endParaRPr>
           </a:p>
         </p:txBody>
       </p:sp>
@@ -23043,13 +22839,6 @@
       </p:transition>
     </mc:Fallback>
   </mc:AlternateContent>
-  <p:timing>
-    <p:tnLst>
-      <p:par>
-        <p:cTn id="1" dur="indefinite" restart="never" nodeType="tmRoot"/>
-      </p:par>
-    </p:tnLst>
-  </p:timing>
 </p:sld>
 </file>
 
@@ -23263,17 +23052,9 @@
                 <a:ea typeface="微软雅黑" panose="020B0503020204020204" pitchFamily="34" charset="-122"/>
                 <a:sym typeface="Arial" panose="020B0604020202020204" pitchFamily="34" charset="0"/>
               </a:rPr>
-              <a:t>目前已经完成</a:t>
+              <a:t>目前已经完成需求和设计阶段，进入了编码阶段</a:t>
             </a:r>
-            <a:r>
-              <a:rPr lang="zh-CN" altLang="en-US" sz="1800" dirty="0" smtClean="0">
-                <a:latin typeface="Arial" panose="020B0604020202020204" pitchFamily="34" charset="0"/>
-                <a:ea typeface="微软雅黑" panose="020B0503020204020204" pitchFamily="34" charset="-122"/>
-                <a:sym typeface="Arial" panose="020B0604020202020204" pitchFamily="34" charset="0"/>
-              </a:rPr>
-              <a:t>需求和设计阶段，进入了编码阶段</a:t>
-            </a:r>
-            <a:endParaRPr lang="en-US" altLang="zh-CN" sz="1800" dirty="0" smtClean="0">
+            <a:endParaRPr lang="en-US" altLang="zh-CN" sz="1800" dirty="0">
               <a:latin typeface="Arial" panose="020B0604020202020204" pitchFamily="34" charset="0"/>
               <a:ea typeface="微软雅黑" panose="020B0503020204020204" pitchFamily="34" charset="-122"/>
               <a:sym typeface="Arial" panose="020B0604020202020204" pitchFamily="34" charset="0"/>
@@ -23327,13 +23108,6 @@
       </p:transition>
     </mc:Fallback>
   </mc:AlternateContent>
-  <p:timing>
-    <p:tnLst>
-      <p:par>
-        <p:cTn id="1" dur="indefinite" restart="never" nodeType="tmRoot"/>
-      </p:par>
-    </p:tnLst>
-  </p:timing>
 </p:sld>
 </file>
 
